--- a/Presentations/20220610 Senior Biostatistician Post Interview Slides AP.pptx
+++ b/Presentations/20220610 Senior Biostatistician Post Interview Slides AP.pptx
@@ -5,7 +5,7 @@
     <p:sldMasterId id="2147483648" r:id="rId1"/>
   </p:sldMasterIdLst>
   <p:notesMasterIdLst>
-    <p:notesMasterId r:id="rId16"/>
+    <p:notesMasterId r:id="rId19"/>
   </p:notesMasterIdLst>
   <p:sldIdLst>
     <p:sldId id="262" r:id="rId2"/>
@@ -21,7 +21,10 @@
     <p:sldId id="273" r:id="rId12"/>
     <p:sldId id="274" r:id="rId13"/>
     <p:sldId id="275" r:id="rId14"/>
-    <p:sldId id="276" r:id="rId15"/>
+    <p:sldId id="278" r:id="rId15"/>
+    <p:sldId id="277" r:id="rId16"/>
+    <p:sldId id="279" r:id="rId17"/>
+    <p:sldId id="276" r:id="rId18"/>
   </p:sldIdLst>
   <p:sldSz cx="12192000" cy="6858000"/>
   <p:notesSz cx="6858000" cy="9144000"/>
@@ -210,7 +213,7 @@
           <a:p>
             <a:fld id="{D5DE5416-57E0-40A3-8153-4BB8A48FF209}" type="datetimeFigureOut">
               <a:rPr lang="en-GB" smtClean="0"/>
-              <a:t>13/06/2022</a:t>
+              <a:t>04/10/2023</a:t>
             </a:fld>
             <a:endParaRPr lang="en-GB"/>
           </a:p>
@@ -557,7 +560,7 @@
               <a:t>EffTox</a:t>
             </a:r>
             <a:r>
-              <a:rPr lang="en-US"/>
+              <a:rPr lang="en-US" dirty="0"/>
               <a:t> and Wages and Tait.</a:t>
             </a:r>
           </a:p>
@@ -1410,7 +1413,7 @@
           <a:p>
             <a:fld id="{54D51DED-5ED8-42EA-927E-8E454027D078}" type="slidenum">
               <a:rPr lang="en-GB" smtClean="0"/>
-              <a:t>14</a:t>
+              <a:t>17</a:t>
             </a:fld>
             <a:endParaRPr lang="en-GB"/>
           </a:p>
@@ -1578,7 +1581,7 @@
           <a:p>
             <a:fld id="{21E4D8E2-A6BD-4EEA-816D-7A5C7F06FF7E}" type="datetimeFigureOut">
               <a:rPr lang="en-GB" smtClean="0"/>
-              <a:t>13/06/2022</a:t>
+              <a:t>04/10/2023</a:t>
             </a:fld>
             <a:endParaRPr lang="en-GB"/>
           </a:p>
@@ -1778,7 +1781,7 @@
           <a:p>
             <a:fld id="{21E4D8E2-A6BD-4EEA-816D-7A5C7F06FF7E}" type="datetimeFigureOut">
               <a:rPr lang="en-GB" smtClean="0"/>
-              <a:t>13/06/2022</a:t>
+              <a:t>04/10/2023</a:t>
             </a:fld>
             <a:endParaRPr lang="en-GB"/>
           </a:p>
@@ -1988,7 +1991,7 @@
           <a:p>
             <a:fld id="{21E4D8E2-A6BD-4EEA-816D-7A5C7F06FF7E}" type="datetimeFigureOut">
               <a:rPr lang="en-GB" smtClean="0"/>
-              <a:t>13/06/2022</a:t>
+              <a:t>04/10/2023</a:t>
             </a:fld>
             <a:endParaRPr lang="en-GB"/>
           </a:p>
@@ -2520,7 +2523,7 @@
           <a:p>
             <a:fld id="{21E4D8E2-A6BD-4EEA-816D-7A5C7F06FF7E}" type="datetimeFigureOut">
               <a:rPr lang="en-GB" smtClean="0"/>
-              <a:t>13/06/2022</a:t>
+              <a:t>04/10/2023</a:t>
             </a:fld>
             <a:endParaRPr lang="en-GB"/>
           </a:p>
@@ -2796,7 +2799,7 @@
           <a:p>
             <a:fld id="{21E4D8E2-A6BD-4EEA-816D-7A5C7F06FF7E}" type="datetimeFigureOut">
               <a:rPr lang="en-GB" smtClean="0"/>
-              <a:t>13/06/2022</a:t>
+              <a:t>04/10/2023</a:t>
             </a:fld>
             <a:endParaRPr lang="en-GB"/>
           </a:p>
@@ -3064,7 +3067,7 @@
           <a:p>
             <a:fld id="{21E4D8E2-A6BD-4EEA-816D-7A5C7F06FF7E}" type="datetimeFigureOut">
               <a:rPr lang="en-GB" smtClean="0"/>
-              <a:t>13/06/2022</a:t>
+              <a:t>04/10/2023</a:t>
             </a:fld>
             <a:endParaRPr lang="en-GB"/>
           </a:p>
@@ -3479,7 +3482,7 @@
           <a:p>
             <a:fld id="{21E4D8E2-A6BD-4EEA-816D-7A5C7F06FF7E}" type="datetimeFigureOut">
               <a:rPr lang="en-GB" smtClean="0"/>
-              <a:t>13/06/2022</a:t>
+              <a:t>04/10/2023</a:t>
             </a:fld>
             <a:endParaRPr lang="en-GB"/>
           </a:p>
@@ -3621,7 +3624,7 @@
           <a:p>
             <a:fld id="{21E4D8E2-A6BD-4EEA-816D-7A5C7F06FF7E}" type="datetimeFigureOut">
               <a:rPr lang="en-GB" smtClean="0"/>
-              <a:t>13/06/2022</a:t>
+              <a:t>04/10/2023</a:t>
             </a:fld>
             <a:endParaRPr lang="en-GB"/>
           </a:p>
@@ -3734,7 +3737,7 @@
           <a:p>
             <a:fld id="{21E4D8E2-A6BD-4EEA-816D-7A5C7F06FF7E}" type="datetimeFigureOut">
               <a:rPr lang="en-GB" smtClean="0"/>
-              <a:t>13/06/2022</a:t>
+              <a:t>04/10/2023</a:t>
             </a:fld>
             <a:endParaRPr lang="en-GB"/>
           </a:p>
@@ -4047,7 +4050,7 @@
           <a:p>
             <a:fld id="{21E4D8E2-A6BD-4EEA-816D-7A5C7F06FF7E}" type="datetimeFigureOut">
               <a:rPr lang="en-GB" smtClean="0"/>
-              <a:t>13/06/2022</a:t>
+              <a:t>04/10/2023</a:t>
             </a:fld>
             <a:endParaRPr lang="en-GB"/>
           </a:p>
@@ -4336,7 +4339,7 @@
           <a:p>
             <a:fld id="{21E4D8E2-A6BD-4EEA-816D-7A5C7F06FF7E}" type="datetimeFigureOut">
               <a:rPr lang="en-GB" smtClean="0"/>
-              <a:t>13/06/2022</a:t>
+              <a:t>04/10/2023</a:t>
             </a:fld>
             <a:endParaRPr lang="en-GB"/>
           </a:p>
@@ -4579,7 +4582,7 @@
           <a:p>
             <a:fld id="{21E4D8E2-A6BD-4EEA-816D-7A5C7F06FF7E}" type="datetimeFigureOut">
               <a:rPr lang="en-GB" smtClean="0"/>
-              <a:t>13/06/2022</a:t>
+              <a:t>04/10/2023</a:t>
             </a:fld>
             <a:endParaRPr lang="en-GB"/>
           </a:p>
@@ -5444,6 +5447,281 @@
           <p:cNvPr id="2" name="Title 1">
             <a:extLst>
               <a:ext uri="{FF2B5EF4-FFF2-40B4-BE49-F238E27FC236}">
+                <a16:creationId xmlns:a16="http://schemas.microsoft.com/office/drawing/2014/main" id="{1B7D14DE-53E4-BD15-10F0-2C2ED874A973}"/>
+              </a:ext>
+            </a:extLst>
+          </p:cNvPr>
+          <p:cNvSpPr>
+            <a:spLocks noGrp="1"/>
+          </p:cNvSpPr>
+          <p:nvPr>
+            <p:ph type="title"/>
+          </p:nvPr>
+        </p:nvSpPr>
+        <p:spPr/>
+        <p:txBody>
+          <a:bodyPr/>
+          <a:lstStyle/>
+          <a:p>
+            <a:r>
+              <a:rPr lang="en-US" dirty="0"/>
+              <a:t>Simulations – Results </a:t>
+            </a:r>
+            <a:endParaRPr lang="en-GB" dirty="0"/>
+          </a:p>
+        </p:txBody>
+      </p:sp>
+      <p:pic>
+        <p:nvPicPr>
+          <p:cNvPr id="5" name="Picture 4">
+            <a:extLst>
+              <a:ext uri="{FF2B5EF4-FFF2-40B4-BE49-F238E27FC236}">
+                <a16:creationId xmlns:a16="http://schemas.microsoft.com/office/drawing/2014/main" id="{5661E483-92D7-F54B-D44F-AFCDDA3686C4}"/>
+              </a:ext>
+            </a:extLst>
+          </p:cNvPr>
+          <p:cNvPicPr>
+            <a:picLocks noChangeAspect="1"/>
+          </p:cNvPicPr>
+          <p:nvPr/>
+        </p:nvPicPr>
+        <p:blipFill>
+          <a:blip r:embed="rId2"/>
+          <a:stretch>
+            <a:fillRect/>
+          </a:stretch>
+        </p:blipFill>
+        <p:spPr>
+          <a:xfrm>
+            <a:off x="0" y="1966677"/>
+            <a:ext cx="12192000" cy="2924645"/>
+          </a:xfrm>
+          <a:prstGeom prst="rect">
+            <a:avLst/>
+          </a:prstGeom>
+        </p:spPr>
+      </p:pic>
+    </p:spTree>
+    <p:extLst>
+      <p:ext uri="{BB962C8B-B14F-4D97-AF65-F5344CB8AC3E}">
+        <p14:creationId xmlns:p14="http://schemas.microsoft.com/office/powerpoint/2010/main" val="1544928707"/>
+      </p:ext>
+    </p:extLst>
+  </p:cSld>
+  <p:clrMapOvr>
+    <a:masterClrMapping/>
+  </p:clrMapOvr>
+</p:sld>
+</file>
+
+<file path=ppt/slides/slide15.xml><?xml version="1.0" encoding="utf-8"?>
+<p:sld xmlns:a="http://schemas.openxmlformats.org/drawingml/2006/main" xmlns:r="http://schemas.openxmlformats.org/officeDocument/2006/relationships" xmlns:p="http://schemas.openxmlformats.org/presentationml/2006/main">
+  <p:cSld>
+    <p:spTree>
+      <p:nvGrpSpPr>
+        <p:cNvPr id="1" name=""/>
+        <p:cNvGrpSpPr/>
+        <p:nvPr/>
+      </p:nvGrpSpPr>
+      <p:grpSpPr>
+        <a:xfrm>
+          <a:off x="0" y="0"/>
+          <a:ext cx="0" cy="0"/>
+          <a:chOff x="0" y="0"/>
+          <a:chExt cx="0" cy="0"/>
+        </a:xfrm>
+      </p:grpSpPr>
+      <p:sp>
+        <p:nvSpPr>
+          <p:cNvPr id="2" name="Title 1">
+            <a:extLst>
+              <a:ext uri="{FF2B5EF4-FFF2-40B4-BE49-F238E27FC236}">
+                <a16:creationId xmlns:a16="http://schemas.microsoft.com/office/drawing/2014/main" id="{EDE41DFE-B4ED-BE1B-90D7-38D27E4E31A5}"/>
+              </a:ext>
+            </a:extLst>
+          </p:cNvPr>
+          <p:cNvSpPr>
+            <a:spLocks noGrp="1"/>
+          </p:cNvSpPr>
+          <p:nvPr>
+            <p:ph type="title"/>
+          </p:nvPr>
+        </p:nvSpPr>
+        <p:spPr>
+          <a:xfrm>
+            <a:off x="527381" y="512104"/>
+            <a:ext cx="10363200" cy="1143000"/>
+          </a:xfrm>
+        </p:spPr>
+        <p:txBody>
+          <a:bodyPr/>
+          <a:lstStyle/>
+          <a:p>
+            <a:r>
+              <a:rPr lang="en-US" dirty="0"/>
+              <a:t>Efficiency of an Efficacy test </a:t>
+            </a:r>
+            <a:endParaRPr lang="en-GB" dirty="0"/>
+          </a:p>
+        </p:txBody>
+      </p:sp>
+      <p:pic>
+        <p:nvPicPr>
+          <p:cNvPr id="5" name="Content Placeholder 4">
+            <a:extLst>
+              <a:ext uri="{FF2B5EF4-FFF2-40B4-BE49-F238E27FC236}">
+                <a16:creationId xmlns:a16="http://schemas.microsoft.com/office/drawing/2014/main" id="{66BCC389-427F-B62C-9E39-4D8F7F5C421C}"/>
+              </a:ext>
+            </a:extLst>
+          </p:cNvPr>
+          <p:cNvPicPr>
+            <a:picLocks noGrp="1" noChangeAspect="1"/>
+          </p:cNvPicPr>
+          <p:nvPr>
+            <p:ph idx="1"/>
+          </p:nvPr>
+        </p:nvPicPr>
+        <p:blipFill>
+          <a:blip r:embed="rId2"/>
+          <a:stretch>
+            <a:fillRect/>
+          </a:stretch>
+        </p:blipFill>
+        <p:spPr>
+          <a:xfrm>
+            <a:off x="2593076" y="2319687"/>
+            <a:ext cx="6801356" cy="2218625"/>
+          </a:xfrm>
+        </p:spPr>
+      </p:pic>
+    </p:spTree>
+    <p:extLst>
+      <p:ext uri="{BB962C8B-B14F-4D97-AF65-F5344CB8AC3E}">
+        <p14:creationId xmlns:p14="http://schemas.microsoft.com/office/powerpoint/2010/main" val="776957256"/>
+      </p:ext>
+    </p:extLst>
+  </p:cSld>
+  <p:clrMapOvr>
+    <a:masterClrMapping/>
+  </p:clrMapOvr>
+</p:sld>
+</file>
+
+<file path=ppt/slides/slide16.xml><?xml version="1.0" encoding="utf-8"?>
+<p:sld xmlns:a="http://schemas.openxmlformats.org/drawingml/2006/main" xmlns:r="http://schemas.openxmlformats.org/officeDocument/2006/relationships" xmlns:p="http://schemas.openxmlformats.org/presentationml/2006/main">
+  <p:cSld>
+    <p:spTree>
+      <p:nvGrpSpPr>
+        <p:cNvPr id="1" name=""/>
+        <p:cNvGrpSpPr/>
+        <p:nvPr/>
+      </p:nvGrpSpPr>
+      <p:grpSpPr>
+        <a:xfrm>
+          <a:off x="0" y="0"/>
+          <a:ext cx="0" cy="0"/>
+          <a:chOff x="0" y="0"/>
+          <a:chExt cx="0" cy="0"/>
+        </a:xfrm>
+      </p:grpSpPr>
+      <p:sp>
+        <p:nvSpPr>
+          <p:cNvPr id="2" name="Title 1">
+            <a:extLst>
+              <a:ext uri="{FF2B5EF4-FFF2-40B4-BE49-F238E27FC236}">
+                <a16:creationId xmlns:a16="http://schemas.microsoft.com/office/drawing/2014/main" id="{EDE41DFE-B4ED-BE1B-90D7-38D27E4E31A5}"/>
+              </a:ext>
+            </a:extLst>
+          </p:cNvPr>
+          <p:cNvSpPr>
+            <a:spLocks noGrp="1"/>
+          </p:cNvSpPr>
+          <p:nvPr>
+            <p:ph type="title"/>
+          </p:nvPr>
+        </p:nvSpPr>
+        <p:spPr>
+          <a:xfrm>
+            <a:off x="527381" y="512104"/>
+            <a:ext cx="10363200" cy="1143000"/>
+          </a:xfrm>
+        </p:spPr>
+        <p:txBody>
+          <a:bodyPr/>
+          <a:lstStyle/>
+          <a:p>
+            <a:r>
+              <a:rPr lang="en-US" dirty="0"/>
+              <a:t>Efficiency of an Efficacy test </a:t>
+            </a:r>
+            <a:endParaRPr lang="en-GB" dirty="0"/>
+          </a:p>
+        </p:txBody>
+      </p:sp>
+      <p:pic>
+        <p:nvPicPr>
+          <p:cNvPr id="7" name="Content Placeholder 6">
+            <a:extLst>
+              <a:ext uri="{FF2B5EF4-FFF2-40B4-BE49-F238E27FC236}">
+                <a16:creationId xmlns:a16="http://schemas.microsoft.com/office/drawing/2014/main" id="{569F9F3E-4349-8839-C0E0-D48A3DADA4FE}"/>
+              </a:ext>
+            </a:extLst>
+          </p:cNvPr>
+          <p:cNvPicPr>
+            <a:picLocks noGrp="1" noChangeAspect="1"/>
+          </p:cNvPicPr>
+          <p:nvPr>
+            <p:ph idx="1"/>
+          </p:nvPr>
+        </p:nvPicPr>
+        <p:blipFill>
+          <a:blip r:embed="rId2"/>
+          <a:stretch>
+            <a:fillRect/>
+          </a:stretch>
+        </p:blipFill>
+        <p:spPr>
+          <a:xfrm>
+            <a:off x="2578608" y="1655104"/>
+            <a:ext cx="7479791" cy="3624436"/>
+          </a:xfrm>
+        </p:spPr>
+      </p:pic>
+    </p:spTree>
+    <p:extLst>
+      <p:ext uri="{BB962C8B-B14F-4D97-AF65-F5344CB8AC3E}">
+        <p14:creationId xmlns:p14="http://schemas.microsoft.com/office/powerpoint/2010/main" val="1200836246"/>
+      </p:ext>
+    </p:extLst>
+  </p:cSld>
+  <p:clrMapOvr>
+    <a:masterClrMapping/>
+  </p:clrMapOvr>
+</p:sld>
+</file>
+
+<file path=ppt/slides/slide17.xml><?xml version="1.0" encoding="utf-8"?>
+<p:sld xmlns:a="http://schemas.openxmlformats.org/drawingml/2006/main" xmlns:r="http://schemas.openxmlformats.org/officeDocument/2006/relationships" xmlns:p="http://schemas.openxmlformats.org/presentationml/2006/main">
+  <p:cSld>
+    <p:spTree>
+      <p:nvGrpSpPr>
+        <p:cNvPr id="1" name=""/>
+        <p:cNvGrpSpPr/>
+        <p:nvPr/>
+      </p:nvGrpSpPr>
+      <p:grpSpPr>
+        <a:xfrm>
+          <a:off x="0" y="0"/>
+          <a:ext cx="0" cy="0"/>
+          <a:chOff x="0" y="0"/>
+          <a:chExt cx="0" cy="0"/>
+        </a:xfrm>
+      </p:grpSpPr>
+      <p:sp>
+        <p:nvSpPr>
+          <p:cNvPr id="2" name="Title 1">
+            <a:extLst>
+              <a:ext uri="{FF2B5EF4-FFF2-40B4-BE49-F238E27FC236}">
                 <a16:creationId xmlns:a16="http://schemas.microsoft.com/office/drawing/2014/main" id="{6FFA14C6-DCDD-475F-3294-DE5CF75671B1}"/>
               </a:ext>
             </a:extLst>
@@ -5532,7 +5810,7 @@
             <a:pPr lvl="1"/>
             <a:r>
               <a:rPr lang="en-US" dirty="0"/>
-              <a:t>Need to assess if the number of patients at the OBD and control dose is sufficient </a:t>
+              <a:t>Need additional patients at both control arm and OBD to make definitive statements about efficacy</a:t>
             </a:r>
             <a:endParaRPr lang="en-GB" dirty="0"/>
           </a:p>
